--- a/Transformers/blog_resources/graphics/QKV-final.pptx
+++ b/Transformers/blog_resources/graphics/QKV-final.pptx
@@ -254,7 +254,7 @@
           <a:p>
             <a:fld id="{FB92FDD8-7731-4E46-9433-FCBAA3DC8EDF}" type="datetimeFigureOut">
               <a:rPr lang="en-GB" smtClean="0"/>
-              <a:t>22/08/2021</a:t>
+              <a:t>24/08/2021</a:t>
             </a:fld>
             <a:endParaRPr lang="en-GB"/>
           </a:p>
@@ -424,7 +424,7 @@
           <a:p>
             <a:fld id="{FB92FDD8-7731-4E46-9433-FCBAA3DC8EDF}" type="datetimeFigureOut">
               <a:rPr lang="en-GB" smtClean="0"/>
-              <a:t>22/08/2021</a:t>
+              <a:t>24/08/2021</a:t>
             </a:fld>
             <a:endParaRPr lang="en-GB"/>
           </a:p>
@@ -604,7 +604,7 @@
           <a:p>
             <a:fld id="{FB92FDD8-7731-4E46-9433-FCBAA3DC8EDF}" type="datetimeFigureOut">
               <a:rPr lang="en-GB" smtClean="0"/>
-              <a:t>22/08/2021</a:t>
+              <a:t>24/08/2021</a:t>
             </a:fld>
             <a:endParaRPr lang="en-GB"/>
           </a:p>
@@ -774,7 +774,7 @@
           <a:p>
             <a:fld id="{FB92FDD8-7731-4E46-9433-FCBAA3DC8EDF}" type="datetimeFigureOut">
               <a:rPr lang="en-GB" smtClean="0"/>
-              <a:t>22/08/2021</a:t>
+              <a:t>24/08/2021</a:t>
             </a:fld>
             <a:endParaRPr lang="en-GB"/>
           </a:p>
@@ -1018,7 +1018,7 @@
           <a:p>
             <a:fld id="{FB92FDD8-7731-4E46-9433-FCBAA3DC8EDF}" type="datetimeFigureOut">
               <a:rPr lang="en-GB" smtClean="0"/>
-              <a:t>22/08/2021</a:t>
+              <a:t>24/08/2021</a:t>
             </a:fld>
             <a:endParaRPr lang="en-GB"/>
           </a:p>
@@ -1250,7 +1250,7 @@
           <a:p>
             <a:fld id="{FB92FDD8-7731-4E46-9433-FCBAA3DC8EDF}" type="datetimeFigureOut">
               <a:rPr lang="en-GB" smtClean="0"/>
-              <a:t>22/08/2021</a:t>
+              <a:t>24/08/2021</a:t>
             </a:fld>
             <a:endParaRPr lang="en-GB"/>
           </a:p>
@@ -1617,7 +1617,7 @@
           <a:p>
             <a:fld id="{FB92FDD8-7731-4E46-9433-FCBAA3DC8EDF}" type="datetimeFigureOut">
               <a:rPr lang="en-GB" smtClean="0"/>
-              <a:t>22/08/2021</a:t>
+              <a:t>24/08/2021</a:t>
             </a:fld>
             <a:endParaRPr lang="en-GB"/>
           </a:p>
@@ -1735,7 +1735,7 @@
           <a:p>
             <a:fld id="{FB92FDD8-7731-4E46-9433-FCBAA3DC8EDF}" type="datetimeFigureOut">
               <a:rPr lang="en-GB" smtClean="0"/>
-              <a:t>22/08/2021</a:t>
+              <a:t>24/08/2021</a:t>
             </a:fld>
             <a:endParaRPr lang="en-GB"/>
           </a:p>
@@ -1830,7 +1830,7 @@
           <a:p>
             <a:fld id="{FB92FDD8-7731-4E46-9433-FCBAA3DC8EDF}" type="datetimeFigureOut">
               <a:rPr lang="en-GB" smtClean="0"/>
-              <a:t>22/08/2021</a:t>
+              <a:t>24/08/2021</a:t>
             </a:fld>
             <a:endParaRPr lang="en-GB"/>
           </a:p>
@@ -2107,7 +2107,7 @@
           <a:p>
             <a:fld id="{FB92FDD8-7731-4E46-9433-FCBAA3DC8EDF}" type="datetimeFigureOut">
               <a:rPr lang="en-GB" smtClean="0"/>
-              <a:t>22/08/2021</a:t>
+              <a:t>24/08/2021</a:t>
             </a:fld>
             <a:endParaRPr lang="en-GB"/>
           </a:p>
@@ -2364,7 +2364,7 @@
           <a:p>
             <a:fld id="{FB92FDD8-7731-4E46-9433-FCBAA3DC8EDF}" type="datetimeFigureOut">
               <a:rPr lang="en-GB" smtClean="0"/>
-              <a:t>22/08/2021</a:t>
+              <a:t>24/08/2021</a:t>
             </a:fld>
             <a:endParaRPr lang="en-GB"/>
           </a:p>
@@ -2577,7 +2577,7 @@
           <a:p>
             <a:fld id="{FB92FDD8-7731-4E46-9433-FCBAA3DC8EDF}" type="datetimeFigureOut">
               <a:rPr lang="en-GB" smtClean="0"/>
-              <a:t>22/08/2021</a:t>
+              <a:t>24/08/2021</a:t>
             </a:fld>
             <a:endParaRPr lang="en-GB"/>
           </a:p>
@@ -5876,7 +5876,7 @@
         <p:spPr>
           <a:xfrm>
             <a:off x="5032147" y="3490539"/>
-            <a:ext cx="2409544" cy="322163"/>
+            <a:ext cx="4794605" cy="641053"/>
           </a:xfrm>
           <a:prstGeom prst="rect">
             <a:avLst/>
@@ -5897,7 +5897,7 @@
         </p:nvGrpSpPr>
         <p:grpSpPr>
           <a:xfrm>
-            <a:off x="4637353" y="4134535"/>
+            <a:off x="4637353" y="5018455"/>
             <a:ext cx="1732737" cy="1503035"/>
             <a:chOff x="5019330" y="592754"/>
             <a:chExt cx="1732737" cy="1503035"/>
@@ -6497,7 +6497,7 @@
         </p:nvGrpSpPr>
         <p:grpSpPr>
           <a:xfrm>
-            <a:off x="6608581" y="3989061"/>
+            <a:off x="6608581" y="4872981"/>
             <a:ext cx="1816592" cy="1800601"/>
             <a:chOff x="4745281" y="3877432"/>
             <a:chExt cx="1816592" cy="1800601"/>
@@ -7473,7 +7473,7 @@
         </p:nvSpPr>
         <p:spPr>
           <a:xfrm>
-            <a:off x="3208131" y="4633992"/>
+            <a:off x="3208131" y="5517912"/>
             <a:ext cx="1294997" cy="369332"/>
           </a:xfrm>
           <a:prstGeom prst="rect">
@@ -7516,7 +7516,7 @@
         </p:nvSpPr>
         <p:spPr>
           <a:xfrm>
-            <a:off x="6410025" y="4507611"/>
+            <a:off x="6410025" y="5391531"/>
             <a:ext cx="283317" cy="461665"/>
           </a:xfrm>
           <a:prstGeom prst="rect">
@@ -7559,7 +7559,7 @@
         </p:nvGrpSpPr>
         <p:grpSpPr>
           <a:xfrm>
-            <a:off x="9348117" y="4029251"/>
+            <a:off x="9348117" y="4913171"/>
             <a:ext cx="1785818" cy="1600428"/>
             <a:chOff x="7369593" y="4004562"/>
             <a:chExt cx="1785818" cy="1600428"/>
@@ -8347,7 +8347,7 @@
         </p:blipFill>
         <p:spPr>
           <a:xfrm rot="9342599">
-            <a:off x="10513782" y="5501732"/>
+            <a:off x="10513782" y="6385652"/>
             <a:ext cx="550989" cy="554363"/>
           </a:xfrm>
           <a:prstGeom prst="rect">
@@ -8369,8 +8369,8 @@
         </p:nvSpPr>
         <p:spPr>
           <a:xfrm>
-            <a:off x="11128384" y="5721137"/>
-            <a:ext cx="3383978" cy="646331"/>
+            <a:off x="11126520" y="6263526"/>
+            <a:ext cx="4824680" cy="830997"/>
           </a:xfrm>
           <a:prstGeom prst="rect">
             <a:avLst/>
@@ -8384,7 +8384,7 @@
           <a:lstStyle/>
           <a:p>
             <a:r>
-              <a:rPr lang="en-US" sz="1200" dirty="0">
+              <a:rPr lang="en-US" sz="1600" dirty="0">
                 <a:solidFill>
                   <a:srgbClr val="0000FF"/>
                 </a:solidFill>
@@ -8393,7 +8393,7 @@
               <a:t>The dimension of E is N</a:t>
             </a:r>
             <a:r>
-              <a:rPr lang="en-US" sz="1200" baseline="-25000" dirty="0">
+              <a:rPr lang="en-US" sz="1600" baseline="-25000" dirty="0">
                 <a:solidFill>
                   <a:srgbClr val="0000FF"/>
                 </a:solidFill>
@@ -8402,7 +8402,7 @@
               <a:t>Q</a:t>
             </a:r>
             <a:r>
-              <a:rPr lang="en-US" sz="1200" dirty="0">
+              <a:rPr lang="en-US" sz="1600" dirty="0">
                 <a:solidFill>
                   <a:srgbClr val="0000FF"/>
                 </a:solidFill>
@@ -8411,7 +8411,7 @@
               <a:t> x N</a:t>
             </a:r>
             <a:r>
-              <a:rPr lang="en-US" sz="1200" baseline="-25000" dirty="0">
+              <a:rPr lang="en-US" sz="1600" baseline="-25000" dirty="0">
                 <a:solidFill>
                   <a:srgbClr val="0000FF"/>
                 </a:solidFill>
@@ -8420,7 +8420,7 @@
               <a:t>X</a:t>
             </a:r>
             <a:r>
-              <a:rPr lang="en-US" sz="1200" dirty="0">
+              <a:rPr lang="en-US" sz="1600" dirty="0">
                 <a:solidFill>
                   <a:srgbClr val="0000FF"/>
                 </a:solidFill>
@@ -8429,7 +8429,7 @@
               <a:t> </a:t>
             </a:r>
             <a:r>
-              <a:rPr lang="en-US" sz="1200" dirty="0" err="1">
+              <a:rPr lang="en-US" sz="1600" dirty="0" err="1">
                 <a:solidFill>
                   <a:srgbClr val="0000FF"/>
                 </a:solidFill>
@@ -8438,7 +8438,7 @@
               <a:t>i.e</a:t>
             </a:r>
             <a:r>
-              <a:rPr lang="en-US" sz="1200" dirty="0">
+              <a:rPr lang="en-US" sz="1600" dirty="0">
                 <a:solidFill>
                   <a:srgbClr val="0000FF"/>
                 </a:solidFill>
@@ -8446,7 +8446,7 @@
               </a:rPr>
               <a:t> for each query vector what is the weight assigned to each key</a:t>
             </a:r>
-            <a:endParaRPr lang="en-GB" sz="1200" dirty="0">
+            <a:endParaRPr lang="en-GB" sz="1600" dirty="0">
               <a:solidFill>
                 <a:srgbClr val="0000FF"/>
               </a:solidFill>
@@ -8469,7 +8469,7 @@
         </p:nvSpPr>
         <p:spPr>
           <a:xfrm>
-            <a:off x="8455216" y="4605800"/>
+            <a:off x="8455216" y="5489720"/>
             <a:ext cx="1120140" cy="369332"/>
           </a:xfrm>
           <a:prstGeom prst="rect">
@@ -8529,7 +8529,7 @@
         </p:blipFill>
         <p:spPr>
           <a:xfrm rot="12257401" flipV="1">
-            <a:off x="10461839" y="3890840"/>
+            <a:off x="10461839" y="4774760"/>
             <a:ext cx="786853" cy="791671"/>
           </a:xfrm>
           <a:prstGeom prst="rect">
@@ -8551,8 +8551,8 @@
         </p:nvSpPr>
         <p:spPr>
           <a:xfrm>
-            <a:off x="11128380" y="3810283"/>
-            <a:ext cx="2116950" cy="461665"/>
+            <a:off x="11128380" y="4694203"/>
+            <a:ext cx="2116950" cy="584775"/>
           </a:xfrm>
           <a:prstGeom prst="rect">
             <a:avLst/>
@@ -8566,7 +8566,7 @@
           <a:lstStyle/>
           <a:p>
             <a:r>
-              <a:rPr lang="en-US" sz="1200" dirty="0">
+              <a:rPr lang="en-US" sz="1600" dirty="0">
                 <a:solidFill>
                   <a:srgbClr val="0000FF"/>
                 </a:solidFill>
@@ -8577,7 +8577,7 @@
           </a:p>
           <a:p>
             <a:r>
-              <a:rPr lang="en-US" sz="1200" dirty="0">
+              <a:rPr lang="en-US" sz="1600" dirty="0">
                 <a:solidFill>
                   <a:srgbClr val="0000FF"/>
                 </a:solidFill>
@@ -8585,7 +8585,7 @@
               </a:rPr>
               <a:t>scalar (weight) </a:t>
             </a:r>
-            <a:endParaRPr lang="en-GB" sz="1200" dirty="0">
+            <a:endParaRPr lang="en-GB" sz="1600" dirty="0">
               <a:solidFill>
                 <a:srgbClr val="0000FF"/>
               </a:solidFill>
@@ -8608,7 +8608,7 @@
         </p:nvGrpSpPr>
         <p:grpSpPr>
           <a:xfrm>
-            <a:off x="3523257" y="6428813"/>
+            <a:off x="3528153" y="6720790"/>
             <a:ext cx="1785818" cy="1600428"/>
             <a:chOff x="7369593" y="4004562"/>
             <a:chExt cx="1785818" cy="1600428"/>
@@ -9379,7 +9379,7 @@
         </p:nvCxnSpPr>
         <p:spPr>
           <a:xfrm>
-            <a:off x="5824900" y="7231118"/>
+            <a:off x="5824963" y="7458154"/>
             <a:ext cx="2161747" cy="0"/>
           </a:xfrm>
           <a:prstGeom prst="straightConnector1">
@@ -9418,7 +9418,7 @@
         </p:nvSpPr>
         <p:spPr>
           <a:xfrm>
-            <a:off x="6036339" y="6832308"/>
+            <a:off x="6036402" y="7059344"/>
             <a:ext cx="1294997" cy="338554"/>
           </a:xfrm>
           <a:prstGeom prst="rect">
@@ -9461,7 +9461,7 @@
         </p:nvSpPr>
         <p:spPr>
           <a:xfrm>
-            <a:off x="6036343" y="7277134"/>
+            <a:off x="6036406" y="7504170"/>
             <a:ext cx="1632375" cy="338554"/>
           </a:xfrm>
           <a:prstGeom prst="rect">
@@ -9504,7 +9504,7 @@
         </p:nvGrpSpPr>
         <p:grpSpPr>
           <a:xfrm>
-            <a:off x="5477182" y="9566697"/>
+            <a:off x="5248582" y="9985797"/>
             <a:ext cx="1785818" cy="1600428"/>
             <a:chOff x="7369593" y="4004562"/>
             <a:chExt cx="1785818" cy="1600428"/>
@@ -10299,8 +10299,8 @@
         </p:nvSpPr>
         <p:spPr>
           <a:xfrm>
-            <a:off x="10334827" y="7375617"/>
-            <a:ext cx="2683769" cy="276999"/>
+            <a:off x="10333837" y="7540165"/>
+            <a:ext cx="4321962" cy="338554"/>
           </a:xfrm>
           <a:prstGeom prst="rect">
             <a:avLst/>
@@ -10314,7 +10314,7 @@
           <a:lstStyle/>
           <a:p>
             <a:r>
-              <a:rPr lang="en-US" sz="1200" dirty="0">
+              <a:rPr lang="en-US" sz="1600" dirty="0">
                 <a:solidFill>
                   <a:srgbClr val="0000FF"/>
                 </a:solidFill>
@@ -10322,7 +10322,7 @@
               </a:rPr>
               <a:t>Normalized attention weight</a:t>
             </a:r>
-            <a:endParaRPr lang="en-GB" sz="1200" dirty="0">
+            <a:endParaRPr lang="en-GB" sz="1600" dirty="0">
               <a:solidFill>
                 <a:srgbClr val="0000FF"/>
               </a:solidFill>
@@ -10362,8 +10362,8 @@
         </p:blipFill>
         <p:spPr>
           <a:xfrm>
-            <a:off x="4877709" y="9083169"/>
-            <a:ext cx="2691374" cy="306044"/>
+            <a:off x="5219777" y="8740203"/>
+            <a:ext cx="4739189" cy="538907"/>
           </a:xfrm>
           <a:prstGeom prst="rect">
             <a:avLst/>
@@ -10384,7 +10384,7 @@
         </p:nvSpPr>
         <p:spPr>
           <a:xfrm>
-            <a:off x="4500024" y="10136503"/>
+            <a:off x="4271424" y="10555603"/>
             <a:ext cx="1294997" cy="369332"/>
           </a:xfrm>
           <a:prstGeom prst="rect">
@@ -10427,7 +10427,7 @@
         </p:nvGrpSpPr>
         <p:grpSpPr>
           <a:xfrm>
-            <a:off x="8228963" y="6589994"/>
+            <a:off x="8227973" y="6754542"/>
             <a:ext cx="1785818" cy="1600428"/>
             <a:chOff x="7369593" y="4004562"/>
             <a:chExt cx="1785818" cy="1600428"/>
@@ -11222,7 +11222,7 @@
         </p:nvSpPr>
         <p:spPr>
           <a:xfrm>
-            <a:off x="7441384" y="10014981"/>
+            <a:off x="7212784" y="10434081"/>
             <a:ext cx="283317" cy="461665"/>
           </a:xfrm>
           <a:prstGeom prst="rect">
@@ -11265,7 +11265,7 @@
         </p:nvGrpSpPr>
         <p:grpSpPr>
           <a:xfrm>
-            <a:off x="7623820" y="9236190"/>
+            <a:off x="7395220" y="9655290"/>
             <a:ext cx="1769088" cy="2263632"/>
             <a:chOff x="10136350" y="3878682"/>
             <a:chExt cx="1769088" cy="2263632"/>
@@ -12537,7 +12537,7 @@
         </p:nvSpPr>
         <p:spPr>
           <a:xfrm>
-            <a:off x="9228703" y="10225258"/>
+            <a:off x="9000103" y="10644358"/>
             <a:ext cx="1120140" cy="369332"/>
           </a:xfrm>
           <a:prstGeom prst="rect">
@@ -12580,7 +12580,7 @@
         </p:nvGrpSpPr>
         <p:grpSpPr>
           <a:xfrm>
-            <a:off x="10092716" y="9661315"/>
+            <a:off x="9864116" y="10080415"/>
             <a:ext cx="1833495" cy="1556969"/>
             <a:chOff x="8465973" y="8516452"/>
             <a:chExt cx="1833495" cy="1556969"/>
@@ -13350,7 +13350,7 @@
         </p:blipFill>
         <p:spPr>
           <a:xfrm rot="9342599">
-            <a:off x="9788426" y="7082008"/>
+            <a:off x="9787436" y="7246556"/>
             <a:ext cx="550989" cy="554363"/>
           </a:xfrm>
           <a:prstGeom prst="rect">
@@ -13389,8 +13389,8 @@
         </p:blipFill>
         <p:spPr>
           <a:xfrm rot="9342599">
-            <a:off x="11544956" y="10814214"/>
-            <a:ext cx="550989" cy="554363"/>
+            <a:off x="11311037" y="11208603"/>
+            <a:ext cx="671130" cy="554363"/>
           </a:xfrm>
           <a:prstGeom prst="rect">
             <a:avLst/>
@@ -13411,8 +13411,8 @@
         </p:nvSpPr>
         <p:spPr>
           <a:xfrm>
-            <a:off x="12159557" y="11033617"/>
-            <a:ext cx="3383978" cy="830997"/>
+            <a:off x="11930956" y="11452717"/>
+            <a:ext cx="4121843" cy="1077218"/>
           </a:xfrm>
           <a:prstGeom prst="rect">
             <a:avLst/>
@@ -13426,7 +13426,7 @@
           <a:lstStyle/>
           <a:p>
             <a:r>
-              <a:rPr lang="en-US" sz="1200" dirty="0">
+              <a:rPr lang="en-US" sz="1600" dirty="0">
                 <a:solidFill>
                   <a:srgbClr val="0000FF"/>
                 </a:solidFill>
@@ -13435,7 +13435,7 @@
               <a:t>The dimension of Y is N</a:t>
             </a:r>
             <a:r>
-              <a:rPr lang="en-US" sz="1200" baseline="-25000" dirty="0">
+              <a:rPr lang="en-US" sz="1600" baseline="-25000" dirty="0">
                 <a:solidFill>
                   <a:srgbClr val="0000FF"/>
                 </a:solidFill>
@@ -13444,7 +13444,7 @@
               <a:t>Q</a:t>
             </a:r>
             <a:r>
-              <a:rPr lang="en-US" sz="1200" dirty="0">
+              <a:rPr lang="en-US" sz="1600" dirty="0">
                 <a:solidFill>
                   <a:srgbClr val="0000FF"/>
                 </a:solidFill>
@@ -13453,7 +13453,7 @@
               <a:t> x D</a:t>
             </a:r>
             <a:r>
-              <a:rPr lang="en-US" sz="1200" baseline="-25000" dirty="0">
+              <a:rPr lang="en-US" sz="1600" baseline="-25000" dirty="0">
                 <a:solidFill>
                   <a:srgbClr val="0000FF"/>
                 </a:solidFill>
@@ -13464,7 +13464,7 @@
           </a:p>
           <a:p>
             <a:r>
-              <a:rPr lang="en-US" sz="1200" dirty="0">
+              <a:rPr lang="en-US" sz="1600" dirty="0">
                 <a:solidFill>
                   <a:srgbClr val="0000FF"/>
                 </a:solidFill>
@@ -13475,7 +13475,7 @@
           </a:p>
           <a:p>
             <a:r>
-              <a:rPr lang="en-US" sz="1200" dirty="0">
+              <a:rPr lang="en-US" sz="1600" dirty="0">
                 <a:solidFill>
                   <a:srgbClr val="0000FF"/>
                 </a:solidFill>
@@ -13484,7 +13484,7 @@
               <a:t>No of cols/dimensions is as we specify in the W</a:t>
             </a:r>
             <a:r>
-              <a:rPr lang="en-US" sz="1200" baseline="-25000" dirty="0">
+              <a:rPr lang="en-US" sz="1600" baseline="-25000" dirty="0">
                 <a:solidFill>
                   <a:srgbClr val="0000FF"/>
                 </a:solidFill>
@@ -13493,7 +13493,7 @@
               <a:t>V</a:t>
             </a:r>
             <a:r>
-              <a:rPr lang="en-US" sz="1200" dirty="0">
+              <a:rPr lang="en-US" sz="1600" dirty="0">
                 <a:solidFill>
                   <a:srgbClr val="0000FF"/>
                 </a:solidFill>
@@ -13501,7 +13501,7 @@
               </a:rPr>
               <a:t> matrix</a:t>
             </a:r>
-            <a:endParaRPr lang="en-GB" sz="1200" dirty="0">
+            <a:endParaRPr lang="en-GB" sz="1600" dirty="0">
               <a:solidFill>
                 <a:srgbClr val="0000FF"/>
               </a:solidFill>
@@ -13524,8 +13524,8 @@
         </p:nvSpPr>
         <p:spPr>
           <a:xfrm>
-            <a:off x="1481082" y="3208503"/>
-            <a:ext cx="1896804" cy="738664"/>
+            <a:off x="836488" y="3208503"/>
+            <a:ext cx="2541398" cy="923330"/>
           </a:xfrm>
           <a:prstGeom prst="rect">
             <a:avLst/>
@@ -13544,12 +13544,12 @@
           <a:lstStyle/>
           <a:p>
             <a:r>
-              <a:rPr lang="en-US" sz="1400" dirty="0">
+              <a:rPr lang="en-US" dirty="0">
                 <a:latin typeface="Consolas" panose="020B0609020204030204" pitchFamily="49" charset="0"/>
               </a:rPr>
               <a:t>Step 2: Computing the raw attention weights</a:t>
             </a:r>
-            <a:endParaRPr lang="en-GB" sz="1400" dirty="0">
+            <a:endParaRPr lang="en-GB" dirty="0">
               <a:latin typeface="Consolas" panose="020B0609020204030204" pitchFamily="49" charset="0"/>
             </a:endParaRPr>
           </a:p>
@@ -13569,8 +13569,8 @@
         </p:nvSpPr>
         <p:spPr>
           <a:xfrm>
-            <a:off x="1448436" y="6948984"/>
-            <a:ext cx="1896804" cy="738664"/>
+            <a:off x="822301" y="7001585"/>
+            <a:ext cx="2465157" cy="923330"/>
           </a:xfrm>
           <a:prstGeom prst="rect">
             <a:avLst/>
@@ -13589,12 +13589,12 @@
           <a:lstStyle/>
           <a:p>
             <a:r>
-              <a:rPr lang="en-US" sz="1400" dirty="0">
+              <a:rPr lang="en-US" dirty="0">
                 <a:latin typeface="Consolas" panose="020B0609020204030204" pitchFamily="49" charset="0"/>
               </a:rPr>
               <a:t>Step 3: Normalizing the attention weights</a:t>
             </a:r>
-            <a:endParaRPr lang="en-GB" sz="1400" dirty="0">
+            <a:endParaRPr lang="en-GB" dirty="0">
               <a:latin typeface="Consolas" panose="020B0609020204030204" pitchFamily="49" charset="0"/>
             </a:endParaRPr>
           </a:p>
@@ -13614,8 +13614,8 @@
         </p:nvSpPr>
         <p:spPr>
           <a:xfrm>
-            <a:off x="1481082" y="9513465"/>
-            <a:ext cx="1896804" cy="738664"/>
+            <a:off x="836487" y="9630537"/>
+            <a:ext cx="2621269" cy="646331"/>
           </a:xfrm>
           <a:prstGeom prst="rect">
             <a:avLst/>
@@ -13634,12 +13634,12 @@
           <a:lstStyle/>
           <a:p>
             <a:r>
-              <a:rPr lang="en-US" sz="1400" dirty="0">
+              <a:rPr lang="en-US" dirty="0">
                 <a:latin typeface="Consolas" panose="020B0609020204030204" pitchFamily="49" charset="0"/>
               </a:rPr>
               <a:t>Step 4: Calculating the output matrix</a:t>
             </a:r>
-            <a:endParaRPr lang="en-GB" sz="1400" dirty="0">
+            <a:endParaRPr lang="en-GB" dirty="0">
               <a:latin typeface="Consolas" panose="020B0609020204030204" pitchFamily="49" charset="0"/>
             </a:endParaRPr>
           </a:p>
@@ -13659,8 +13659,8 @@
         </p:nvSpPr>
         <p:spPr>
           <a:xfrm>
-            <a:off x="1475156" y="1198939"/>
-            <a:ext cx="1987356" cy="738664"/>
+            <a:off x="836488" y="1198939"/>
+            <a:ext cx="2626024" cy="923330"/>
           </a:xfrm>
           <a:prstGeom prst="rect">
             <a:avLst/>
@@ -13679,12 +13679,12 @@
           <a:lstStyle/>
           <a:p>
             <a:r>
-              <a:rPr lang="en-US" sz="1400" dirty="0">
+              <a:rPr lang="en-US" dirty="0">
                 <a:latin typeface="Consolas" panose="020B0609020204030204" pitchFamily="49" charset="0"/>
               </a:rPr>
               <a:t>Step 1: Q, K, V matrices as computed before</a:t>
             </a:r>
-            <a:endParaRPr lang="en-GB" sz="1400" dirty="0">
+            <a:endParaRPr lang="en-GB" dirty="0">
               <a:latin typeface="Consolas" panose="020B0609020204030204" pitchFamily="49" charset="0"/>
             </a:endParaRPr>
           </a:p>
